--- a/images/logo.pptx
+++ b/images/logo.pptx
@@ -5,13 +5,18 @@
     <p:sldMasterId id="2147483648" r:id="rId1"/>
   </p:sldMasterIdLst>
   <p:notesMasterIdLst>
-    <p:notesMasterId r:id="rId6"/>
+    <p:notesMasterId r:id="rId11"/>
   </p:notesMasterIdLst>
   <p:sldIdLst>
     <p:sldId id="256" r:id="rId2"/>
     <p:sldId id="257" r:id="rId3"/>
-    <p:sldId id="258" r:id="rId4"/>
-    <p:sldId id="259" r:id="rId5"/>
+    <p:sldId id="260" r:id="rId4"/>
+    <p:sldId id="258" r:id="rId5"/>
+    <p:sldId id="259" r:id="rId6"/>
+    <p:sldId id="261" r:id="rId7"/>
+    <p:sldId id="262" r:id="rId8"/>
+    <p:sldId id="263" r:id="rId9"/>
+    <p:sldId id="264" r:id="rId10"/>
   </p:sldIdLst>
   <p:sldSz cx="12192000" cy="6858000"/>
   <p:notesSz cx="6858000" cy="9144000"/>
@@ -110,6 +115,11 @@
       </a:defRPr>
     </a:lvl9pPr>
   </p:defaultTextStyle>
+  <p:extLst>
+    <p:ext uri="{EFAFB233-063F-42B5-8137-9DF3F51BA10A}">
+      <p15:sldGuideLst xmlns:p15="http://schemas.microsoft.com/office/powerpoint/2012/main"/>
+    </p:ext>
+  </p:extLst>
 </p:presentation>
 </file>
 
@@ -195,7 +205,7 @@
           <a:p>
             <a:fld id="{1C9562C9-3D90-43F0-A568-C42393EBB46A}" type="datetimeFigureOut">
               <a:rPr kumimoji="1" lang="ja-JP" altLang="en-US" smtClean="0"/>
-              <a:t>2025/3/3</a:t>
+              <a:t>2025/3/4</a:t>
             </a:fld>
             <a:endParaRPr kumimoji="1" lang="ja-JP" altLang="en-US"/>
           </a:p>
@@ -586,6 +596,114 @@
         <p:cNvPr id="1" name="">
           <a:extLst>
             <a:ext uri="{FF2B5EF4-FFF2-40B4-BE49-F238E27FC236}">
+              <a16:creationId xmlns:a16="http://schemas.microsoft.com/office/drawing/2014/main" id="{86B81D7D-D755-9A3A-0605-00350EF3B0B7}"/>
+            </a:ext>
+          </a:extLst>
+        </p:cNvPr>
+        <p:cNvGrpSpPr/>
+        <p:nvPr/>
+      </p:nvGrpSpPr>
+      <p:grpSpPr>
+        <a:xfrm>
+          <a:off x="0" y="0"/>
+          <a:ext cx="0" cy="0"/>
+          <a:chOff x="0" y="0"/>
+          <a:chExt cx="0" cy="0"/>
+        </a:xfrm>
+      </p:grpSpPr>
+      <p:sp>
+        <p:nvSpPr>
+          <p:cNvPr id="2" name="スライド イメージ プレースホルダー 1">
+            <a:extLst>
+              <a:ext uri="{FF2B5EF4-FFF2-40B4-BE49-F238E27FC236}">
+                <a16:creationId xmlns:a16="http://schemas.microsoft.com/office/drawing/2014/main" id="{E48791FE-3D49-137B-878F-B94E2BA404BC}"/>
+              </a:ext>
+            </a:extLst>
+          </p:cNvPr>
+          <p:cNvSpPr>
+            <a:spLocks noGrp="1" noRot="1" noChangeAspect="1"/>
+          </p:cNvSpPr>
+          <p:nvPr>
+            <p:ph type="sldImg"/>
+          </p:nvPr>
+        </p:nvSpPr>
+        <p:spPr/>
+      </p:sp>
+      <p:sp>
+        <p:nvSpPr>
+          <p:cNvPr id="3" name="ノート プレースホルダー 2">
+            <a:extLst>
+              <a:ext uri="{FF2B5EF4-FFF2-40B4-BE49-F238E27FC236}">
+                <a16:creationId xmlns:a16="http://schemas.microsoft.com/office/drawing/2014/main" id="{18E151CB-8D15-3C5E-DD2F-E375451D6348}"/>
+              </a:ext>
+            </a:extLst>
+          </p:cNvPr>
+          <p:cNvSpPr>
+            <a:spLocks noGrp="1"/>
+          </p:cNvSpPr>
+          <p:nvPr>
+            <p:ph type="body" idx="1"/>
+          </p:nvPr>
+        </p:nvSpPr>
+        <p:spPr/>
+        <p:txBody>
+          <a:bodyPr/>
+          <a:lstStyle/>
+          <a:p>
+            <a:endParaRPr kumimoji="1" lang="ja-JP" altLang="en-US"/>
+          </a:p>
+        </p:txBody>
+      </p:sp>
+      <p:sp>
+        <p:nvSpPr>
+          <p:cNvPr id="4" name="スライド番号プレースホルダー 3">
+            <a:extLst>
+              <a:ext uri="{FF2B5EF4-FFF2-40B4-BE49-F238E27FC236}">
+                <a16:creationId xmlns:a16="http://schemas.microsoft.com/office/drawing/2014/main" id="{07CE784C-0463-7651-FFC4-42EF0D8476D3}"/>
+              </a:ext>
+            </a:extLst>
+          </p:cNvPr>
+          <p:cNvSpPr>
+            <a:spLocks noGrp="1"/>
+          </p:cNvSpPr>
+          <p:nvPr>
+            <p:ph type="sldNum" sz="quarter" idx="5"/>
+          </p:nvPr>
+        </p:nvSpPr>
+        <p:spPr/>
+        <p:txBody>
+          <a:bodyPr/>
+          <a:lstStyle/>
+          <a:p>
+            <a:fld id="{23BF75D2-A4D8-4A8B-AADD-D39881F0DC4E}" type="slidenum">
+              <a:rPr kumimoji="1" lang="ja-JP" altLang="en-US" smtClean="0"/>
+              <a:t>3</a:t>
+            </a:fld>
+            <a:endParaRPr kumimoji="1" lang="ja-JP" altLang="en-US"/>
+          </a:p>
+        </p:txBody>
+      </p:sp>
+    </p:spTree>
+    <p:extLst>
+      <p:ext uri="{BB962C8B-B14F-4D97-AF65-F5344CB8AC3E}">
+        <p14:creationId xmlns:p14="http://schemas.microsoft.com/office/powerpoint/2010/main" val="2792323388"/>
+      </p:ext>
+    </p:extLst>
+  </p:cSld>
+  <p:clrMapOvr>
+    <a:masterClrMapping/>
+  </p:clrMapOvr>
+</p:notes>
+</file>
+
+<file path=ppt/notesSlides/notesSlide3.xml><?xml version="1.0" encoding="utf-8"?>
+<p:notes xmlns:a="http://schemas.openxmlformats.org/drawingml/2006/main" xmlns:r="http://schemas.openxmlformats.org/officeDocument/2006/relationships" xmlns:p="http://schemas.openxmlformats.org/presentationml/2006/main">
+  <p:cSld>
+    <p:spTree>
+      <p:nvGrpSpPr>
+        <p:cNvPr id="1" name="">
+          <a:extLst>
+            <a:ext uri="{FF2B5EF4-FFF2-40B4-BE49-F238E27FC236}">
               <a16:creationId xmlns:a16="http://schemas.microsoft.com/office/drawing/2014/main" id="{2000519A-3433-857C-F6ED-2FEA3B76660B}"/>
             </a:ext>
           </a:extLst>
@@ -667,7 +785,7 @@
           <a:p>
             <a:fld id="{23BF75D2-A4D8-4A8B-AADD-D39881F0DC4E}" type="slidenum">
               <a:rPr kumimoji="1" lang="ja-JP" altLang="en-US" smtClean="0"/>
-              <a:t>3</a:t>
+              <a:t>4</a:t>
             </a:fld>
             <a:endParaRPr kumimoji="1" lang="ja-JP" altLang="en-US"/>
           </a:p>
@@ -833,7 +951,7 @@
           <a:p>
             <a:fld id="{4E43F86D-002F-43E4-87F7-1EE2AA2B40E7}" type="datetimeFigureOut">
               <a:rPr kumimoji="1" lang="ja-JP" altLang="en-US" smtClean="0"/>
-              <a:t>2025/3/3</a:t>
+              <a:t>2025/3/4</a:t>
             </a:fld>
             <a:endParaRPr kumimoji="1" lang="ja-JP" altLang="en-US"/>
           </a:p>
@@ -1063,7 +1181,7 @@
           <a:p>
             <a:fld id="{4E43F86D-002F-43E4-87F7-1EE2AA2B40E7}" type="datetimeFigureOut">
               <a:rPr kumimoji="1" lang="ja-JP" altLang="en-US" smtClean="0"/>
-              <a:t>2025/3/3</a:t>
+              <a:t>2025/3/4</a:t>
             </a:fld>
             <a:endParaRPr kumimoji="1" lang="ja-JP" altLang="en-US"/>
           </a:p>
@@ -1303,7 +1421,7 @@
           <a:p>
             <a:fld id="{4E43F86D-002F-43E4-87F7-1EE2AA2B40E7}" type="datetimeFigureOut">
               <a:rPr kumimoji="1" lang="ja-JP" altLang="en-US" smtClean="0"/>
-              <a:t>2025/3/3</a:t>
+              <a:t>2025/3/4</a:t>
             </a:fld>
             <a:endParaRPr kumimoji="1" lang="ja-JP" altLang="en-US"/>
           </a:p>
@@ -1533,7 +1651,7 @@
           <a:p>
             <a:fld id="{4E43F86D-002F-43E4-87F7-1EE2AA2B40E7}" type="datetimeFigureOut">
               <a:rPr kumimoji="1" lang="ja-JP" altLang="en-US" smtClean="0"/>
-              <a:t>2025/3/3</a:t>
+              <a:t>2025/3/4</a:t>
             </a:fld>
             <a:endParaRPr kumimoji="1" lang="ja-JP" altLang="en-US"/>
           </a:p>
@@ -1808,7 +1926,7 @@
           <a:p>
             <a:fld id="{4E43F86D-002F-43E4-87F7-1EE2AA2B40E7}" type="datetimeFigureOut">
               <a:rPr kumimoji="1" lang="ja-JP" altLang="en-US" smtClean="0"/>
-              <a:t>2025/3/3</a:t>
+              <a:t>2025/3/4</a:t>
             </a:fld>
             <a:endParaRPr kumimoji="1" lang="ja-JP" altLang="en-US"/>
           </a:p>
@@ -2137,7 +2255,7 @@
           <a:p>
             <a:fld id="{4E43F86D-002F-43E4-87F7-1EE2AA2B40E7}" type="datetimeFigureOut">
               <a:rPr kumimoji="1" lang="ja-JP" altLang="en-US" smtClean="0"/>
-              <a:t>2025/3/3</a:t>
+              <a:t>2025/3/4</a:t>
             </a:fld>
             <a:endParaRPr kumimoji="1" lang="ja-JP" altLang="en-US"/>
           </a:p>
@@ -2613,7 +2731,7 @@
           <a:p>
             <a:fld id="{4E43F86D-002F-43E4-87F7-1EE2AA2B40E7}" type="datetimeFigureOut">
               <a:rPr kumimoji="1" lang="ja-JP" altLang="en-US" smtClean="0"/>
-              <a:t>2025/3/3</a:t>
+              <a:t>2025/3/4</a:t>
             </a:fld>
             <a:endParaRPr kumimoji="1" lang="ja-JP" altLang="en-US"/>
           </a:p>
@@ -2754,7 +2872,7 @@
           <a:p>
             <a:fld id="{4E43F86D-002F-43E4-87F7-1EE2AA2B40E7}" type="datetimeFigureOut">
               <a:rPr kumimoji="1" lang="ja-JP" altLang="en-US" smtClean="0"/>
-              <a:t>2025/3/3</a:t>
+              <a:t>2025/3/4</a:t>
             </a:fld>
             <a:endParaRPr kumimoji="1" lang="ja-JP" altLang="en-US"/>
           </a:p>
@@ -2867,7 +2985,7 @@
           <a:p>
             <a:fld id="{4E43F86D-002F-43E4-87F7-1EE2AA2B40E7}" type="datetimeFigureOut">
               <a:rPr kumimoji="1" lang="ja-JP" altLang="en-US" smtClean="0"/>
-              <a:t>2025/3/3</a:t>
+              <a:t>2025/3/4</a:t>
             </a:fld>
             <a:endParaRPr kumimoji="1" lang="ja-JP" altLang="en-US"/>
           </a:p>
@@ -3210,7 +3328,7 @@
           <a:p>
             <a:fld id="{4E43F86D-002F-43E4-87F7-1EE2AA2B40E7}" type="datetimeFigureOut">
               <a:rPr kumimoji="1" lang="ja-JP" altLang="en-US" smtClean="0"/>
-              <a:t>2025/3/3</a:t>
+              <a:t>2025/3/4</a:t>
             </a:fld>
             <a:endParaRPr kumimoji="1" lang="ja-JP" altLang="en-US"/>
           </a:p>
@@ -3498,7 +3616,7 @@
           <a:p>
             <a:fld id="{4E43F86D-002F-43E4-87F7-1EE2AA2B40E7}" type="datetimeFigureOut">
               <a:rPr kumimoji="1" lang="ja-JP" altLang="en-US" smtClean="0"/>
-              <a:t>2025/3/3</a:t>
+              <a:t>2025/3/4</a:t>
             </a:fld>
             <a:endParaRPr kumimoji="1" lang="ja-JP" altLang="en-US"/>
           </a:p>
@@ -3771,7 +3889,7 @@
           <a:p>
             <a:fld id="{4E43F86D-002F-43E4-87F7-1EE2AA2B40E7}" type="datetimeFigureOut">
               <a:rPr kumimoji="1" lang="ja-JP" altLang="en-US" smtClean="0"/>
-              <a:t>2025/3/3</a:t>
+              <a:t>2025/3/4</a:t>
             </a:fld>
             <a:endParaRPr kumimoji="1" lang="ja-JP" altLang="en-US"/>
           </a:p>
@@ -4190,6 +4308,56 @@
       </p:grpSpPr>
       <p:sp>
         <p:nvSpPr>
+          <p:cNvPr id="3" name="正方形/長方形 2">
+            <a:extLst>
+              <a:ext uri="{FF2B5EF4-FFF2-40B4-BE49-F238E27FC236}">
+                <a16:creationId xmlns:a16="http://schemas.microsoft.com/office/drawing/2014/main" id="{F9610080-F4C8-3C90-55A0-BB54B5A4D07C}"/>
+              </a:ext>
+            </a:extLst>
+          </p:cNvPr>
+          <p:cNvSpPr/>
+          <p:nvPr/>
+        </p:nvSpPr>
+        <p:spPr>
+          <a:xfrm>
+            <a:off x="626533" y="1591733"/>
+            <a:ext cx="10608733" cy="4114800"/>
+          </a:xfrm>
+          <a:prstGeom prst="rect">
+            <a:avLst/>
+          </a:prstGeom>
+          <a:noFill/>
+          <a:ln>
+            <a:noFill/>
+          </a:ln>
+        </p:spPr>
+        <p:style>
+          <a:lnRef idx="2">
+            <a:schemeClr val="accent1">
+              <a:shade val="15000"/>
+            </a:schemeClr>
+          </a:lnRef>
+          <a:fillRef idx="1">
+            <a:schemeClr val="accent1"/>
+          </a:fillRef>
+          <a:effectRef idx="0">
+            <a:schemeClr val="accent1"/>
+          </a:effectRef>
+          <a:fontRef idx="minor">
+            <a:schemeClr val="lt1"/>
+          </a:fontRef>
+        </p:style>
+        <p:txBody>
+          <a:bodyPr rtlCol="0" anchor="ctr"/>
+          <a:lstStyle/>
+          <a:p>
+            <a:pPr algn="ctr"/>
+            <a:endParaRPr kumimoji="1" lang="ja-JP" altLang="en-US"/>
+          </a:p>
+        </p:txBody>
+      </p:sp>
+      <p:sp>
+        <p:nvSpPr>
           <p:cNvPr id="2" name="タイトル 1">
             <a:extLst>
               <a:ext uri="{FF2B5EF4-FFF2-40B4-BE49-F238E27FC236}">
@@ -4217,7 +4385,7 @@
           <a:lstStyle/>
           <a:p>
             <a:r>
-              <a:rPr kumimoji="1" lang="en-US" altLang="ja-JP" sz="17900">
+              <a:rPr kumimoji="1" lang="en-US" altLang="ja-JP" sz="14900">
                 <a:solidFill>
                   <a:srgbClr val="7BB33A"/>
                 </a:solidFill>
@@ -4225,7 +4393,7 @@
               </a:rPr>
               <a:t>e-Tax</a:t>
             </a:r>
-            <a:endParaRPr kumimoji="1" lang="ja-JP" altLang="en-US" sz="17900">
+            <a:endParaRPr kumimoji="1" lang="ja-JP" altLang="en-US" sz="14900">
               <a:solidFill>
                 <a:srgbClr val="7BB33A"/>
               </a:solidFill>
@@ -4262,8 +4430,8 @@
         </p:blipFill>
         <p:spPr>
           <a:xfrm>
-            <a:off x="793110" y="1523734"/>
-            <a:ext cx="3810532" cy="3810532"/>
+            <a:off x="1969977" y="2004109"/>
+            <a:ext cx="3093090" cy="3093090"/>
           </a:xfrm>
           <a:prstGeom prst="rect">
             <a:avLst/>
@@ -4433,6 +4601,572 @@
 <file path=ppt/slides/slide3.xml><?xml version="1.0" encoding="utf-8"?>
 <p:sld xmlns:a="http://schemas.openxmlformats.org/drawingml/2006/main" xmlns:r="http://schemas.openxmlformats.org/officeDocument/2006/relationships" xmlns:p="http://schemas.openxmlformats.org/presentationml/2006/main">
   <p:cSld>
+    <p:bg>
+      <p:bgPr>
+        <a:solidFill>
+          <a:schemeClr val="tx1">
+            <a:lumMod val="95000"/>
+            <a:lumOff val="5000"/>
+          </a:schemeClr>
+        </a:solidFill>
+        <a:effectLst/>
+      </p:bgPr>
+    </p:bg>
+    <p:spTree>
+      <p:nvGrpSpPr>
+        <p:cNvPr id="1" name="">
+          <a:extLst>
+            <a:ext uri="{FF2B5EF4-FFF2-40B4-BE49-F238E27FC236}">
+              <a16:creationId xmlns:a16="http://schemas.microsoft.com/office/drawing/2014/main" id="{A1CC067B-798C-C608-E318-93A06E803AD3}"/>
+            </a:ext>
+          </a:extLst>
+        </p:cNvPr>
+        <p:cNvGrpSpPr/>
+        <p:nvPr/>
+      </p:nvGrpSpPr>
+      <p:grpSpPr>
+        <a:xfrm>
+          <a:off x="0" y="0"/>
+          <a:ext cx="0" cy="0"/>
+          <a:chOff x="0" y="0"/>
+          <a:chExt cx="0" cy="0"/>
+        </a:xfrm>
+      </p:grpSpPr>
+      <p:sp>
+        <p:nvSpPr>
+          <p:cNvPr id="4" name="正方形/長方形 3">
+            <a:extLst>
+              <a:ext uri="{FF2B5EF4-FFF2-40B4-BE49-F238E27FC236}">
+                <a16:creationId xmlns:a16="http://schemas.microsoft.com/office/drawing/2014/main" id="{394CC890-824A-8325-B27A-A4B5E6B53647}"/>
+              </a:ext>
+            </a:extLst>
+          </p:cNvPr>
+          <p:cNvSpPr/>
+          <p:nvPr/>
+        </p:nvSpPr>
+        <p:spPr>
+          <a:xfrm>
+            <a:off x="7424737" y="3632812"/>
+            <a:ext cx="1926431" cy="415312"/>
+          </a:xfrm>
+          <a:prstGeom prst="rect">
+            <a:avLst/>
+          </a:prstGeom>
+          <a:solidFill>
+            <a:schemeClr val="bg1"/>
+          </a:solidFill>
+          <a:ln>
+            <a:noFill/>
+          </a:ln>
+        </p:spPr>
+        <p:style>
+          <a:lnRef idx="2">
+            <a:schemeClr val="accent1">
+              <a:shade val="15000"/>
+            </a:schemeClr>
+          </a:lnRef>
+          <a:fillRef idx="1">
+            <a:schemeClr val="accent1"/>
+          </a:fillRef>
+          <a:effectRef idx="0">
+            <a:schemeClr val="accent1"/>
+          </a:effectRef>
+          <a:fontRef idx="minor">
+            <a:schemeClr val="lt1"/>
+          </a:fontRef>
+        </p:style>
+        <p:txBody>
+          <a:bodyPr rtlCol="0" anchor="ctr"/>
+          <a:lstStyle/>
+          <a:p>
+            <a:pPr algn="ctr"/>
+            <a:endParaRPr kumimoji="1" lang="ja-JP" altLang="en-US"/>
+          </a:p>
+        </p:txBody>
+      </p:sp>
+      <p:sp>
+        <p:nvSpPr>
+          <p:cNvPr id="3" name="正方形/長方形 2">
+            <a:extLst>
+              <a:ext uri="{FF2B5EF4-FFF2-40B4-BE49-F238E27FC236}">
+                <a16:creationId xmlns:a16="http://schemas.microsoft.com/office/drawing/2014/main" id="{6AB04903-EA1F-B515-7723-BB9C488ADC05}"/>
+              </a:ext>
+            </a:extLst>
+          </p:cNvPr>
+          <p:cNvSpPr/>
+          <p:nvPr/>
+        </p:nvSpPr>
+        <p:spPr>
+          <a:xfrm>
+            <a:off x="3573624" y="3345654"/>
+            <a:ext cx="4803614" cy="702469"/>
+          </a:xfrm>
+          <a:prstGeom prst="rect">
+            <a:avLst/>
+          </a:prstGeom>
+          <a:solidFill>
+            <a:schemeClr val="bg1"/>
+          </a:solidFill>
+          <a:ln>
+            <a:noFill/>
+          </a:ln>
+        </p:spPr>
+        <p:style>
+          <a:lnRef idx="2">
+            <a:schemeClr val="accent1">
+              <a:shade val="15000"/>
+            </a:schemeClr>
+          </a:lnRef>
+          <a:fillRef idx="1">
+            <a:schemeClr val="accent1"/>
+          </a:fillRef>
+          <a:effectRef idx="0">
+            <a:schemeClr val="accent1"/>
+          </a:effectRef>
+          <a:fontRef idx="minor">
+            <a:schemeClr val="lt1"/>
+          </a:fontRef>
+        </p:style>
+        <p:txBody>
+          <a:bodyPr rtlCol="0" anchor="ctr"/>
+          <a:lstStyle/>
+          <a:p>
+            <a:pPr algn="ctr"/>
+            <a:endParaRPr kumimoji="1" lang="ja-JP" altLang="en-US"/>
+          </a:p>
+        </p:txBody>
+      </p:sp>
+      <p:sp>
+        <p:nvSpPr>
+          <p:cNvPr id="2" name="タイトル 1">
+            <a:extLst>
+              <a:ext uri="{FF2B5EF4-FFF2-40B4-BE49-F238E27FC236}">
+                <a16:creationId xmlns:a16="http://schemas.microsoft.com/office/drawing/2014/main" id="{02AE18D7-E994-7588-4466-621626B3688D}"/>
+              </a:ext>
+            </a:extLst>
+          </p:cNvPr>
+          <p:cNvSpPr>
+            <a:spLocks noGrp="1"/>
+          </p:cNvSpPr>
+          <p:nvPr>
+            <p:ph type="ctrTitle"/>
+          </p:nvPr>
+        </p:nvSpPr>
+        <p:spPr>
+          <a:xfrm>
+            <a:off x="700739" y="2247899"/>
+            <a:ext cx="10195861" cy="1681307"/>
+          </a:xfrm>
+        </p:spPr>
+        <p:txBody>
+          <a:bodyPr>
+            <a:prstTxWarp prst="textArchUp">
+              <a:avLst/>
+            </a:prstTxWarp>
+            <a:noAutofit/>
+          </a:bodyPr>
+          <a:lstStyle/>
+          <a:p>
+            <a:r>
+              <a:rPr lang="ja-JP" altLang="en-US" sz="11000" b="1" spc="-1500">
+                <a:ln w="41275">
+                  <a:solidFill>
+                    <a:srgbClr val="E8D575"/>
+                  </a:solidFill>
+                </a:ln>
+                <a:solidFill>
+                  <a:srgbClr val="E5D069"/>
+                </a:solidFill>
+                <a:latin typeface="無心" panose="02000600000000000000" pitchFamily="50" charset="-128"/>
+                <a:ea typeface="無心" panose="02000600000000000000" pitchFamily="50" charset="-128"/>
+              </a:rPr>
+              <a:t>ふるさと納税</a:t>
+            </a:r>
+            <a:endParaRPr kumimoji="1" lang="ja-JP" altLang="en-US" sz="11000" b="1" spc="-1500">
+              <a:ln w="41275">
+                <a:solidFill>
+                  <a:srgbClr val="E8D575"/>
+                </a:solidFill>
+              </a:ln>
+              <a:solidFill>
+                <a:srgbClr val="E5D069"/>
+              </a:solidFill>
+              <a:latin typeface="無心" panose="02000600000000000000" pitchFamily="50" charset="-128"/>
+              <a:ea typeface="無心" panose="02000600000000000000" pitchFamily="50" charset="-128"/>
+            </a:endParaRPr>
+          </a:p>
+        </p:txBody>
+      </p:sp>
+      <p:sp>
+        <p:nvSpPr>
+          <p:cNvPr id="6" name="平行四辺形 5">
+            <a:extLst>
+              <a:ext uri="{FF2B5EF4-FFF2-40B4-BE49-F238E27FC236}">
+                <a16:creationId xmlns:a16="http://schemas.microsoft.com/office/drawing/2014/main" id="{898F4056-50FE-4169-7150-A8F514804877}"/>
+              </a:ext>
+            </a:extLst>
+          </p:cNvPr>
+          <p:cNvSpPr/>
+          <p:nvPr/>
+        </p:nvSpPr>
+        <p:spPr>
+          <a:xfrm rot="21442099">
+            <a:off x="6512719" y="4172707"/>
+            <a:ext cx="1609725" cy="835961"/>
+          </a:xfrm>
+          <a:prstGeom prst="parallelogram">
+            <a:avLst>
+              <a:gd name="adj" fmla="val 157266"/>
+            </a:avLst>
+          </a:prstGeom>
+          <a:solidFill>
+            <a:schemeClr val="bg1"/>
+          </a:solidFill>
+          <a:ln>
+            <a:noFill/>
+          </a:ln>
+        </p:spPr>
+        <p:style>
+          <a:lnRef idx="2">
+            <a:schemeClr val="accent1">
+              <a:shade val="15000"/>
+            </a:schemeClr>
+          </a:lnRef>
+          <a:fillRef idx="1">
+            <a:schemeClr val="accent1"/>
+          </a:fillRef>
+          <a:effectRef idx="0">
+            <a:schemeClr val="accent1"/>
+          </a:effectRef>
+          <a:fontRef idx="minor">
+            <a:schemeClr val="lt1"/>
+          </a:fontRef>
+        </p:style>
+        <p:txBody>
+          <a:bodyPr rtlCol="0" anchor="ctr"/>
+          <a:lstStyle/>
+          <a:p>
+            <a:pPr algn="ctr"/>
+            <a:endParaRPr kumimoji="1" lang="ja-JP" altLang="en-US"/>
+          </a:p>
+        </p:txBody>
+      </p:sp>
+      <p:sp>
+        <p:nvSpPr>
+          <p:cNvPr id="8" name="二等辺三角形 7">
+            <a:extLst>
+              <a:ext uri="{FF2B5EF4-FFF2-40B4-BE49-F238E27FC236}">
+                <a16:creationId xmlns:a16="http://schemas.microsoft.com/office/drawing/2014/main" id="{A29CB56D-D10B-DB92-310E-36C9DC050C83}"/>
+              </a:ext>
+            </a:extLst>
+          </p:cNvPr>
+          <p:cNvSpPr/>
+          <p:nvPr/>
+        </p:nvSpPr>
+        <p:spPr>
+          <a:xfrm rot="3062375">
+            <a:off x="7079965" y="3835442"/>
+            <a:ext cx="438534" cy="1311872"/>
+          </a:xfrm>
+          <a:prstGeom prst="triangle">
+            <a:avLst>
+              <a:gd name="adj" fmla="val 100000"/>
+            </a:avLst>
+          </a:prstGeom>
+          <a:solidFill>
+            <a:schemeClr val="bg1"/>
+          </a:solidFill>
+          <a:ln>
+            <a:noFill/>
+          </a:ln>
+        </p:spPr>
+        <p:style>
+          <a:lnRef idx="2">
+            <a:schemeClr val="accent1">
+              <a:shade val="15000"/>
+            </a:schemeClr>
+          </a:lnRef>
+          <a:fillRef idx="1">
+            <a:schemeClr val="accent1"/>
+          </a:fillRef>
+          <a:effectRef idx="0">
+            <a:schemeClr val="accent1"/>
+          </a:effectRef>
+          <a:fontRef idx="minor">
+            <a:schemeClr val="lt1"/>
+          </a:fontRef>
+        </p:style>
+        <p:txBody>
+          <a:bodyPr rtlCol="0" anchor="ctr"/>
+          <a:lstStyle/>
+          <a:p>
+            <a:pPr algn="ctr"/>
+            <a:endParaRPr kumimoji="1" lang="ja-JP" altLang="en-US"/>
+          </a:p>
+        </p:txBody>
+      </p:sp>
+      <p:sp>
+        <p:nvSpPr>
+          <p:cNvPr id="9" name="二等辺三角形 8">
+            <a:extLst>
+              <a:ext uri="{FF2B5EF4-FFF2-40B4-BE49-F238E27FC236}">
+                <a16:creationId xmlns:a16="http://schemas.microsoft.com/office/drawing/2014/main" id="{5022730D-07F5-E0C9-36B8-0B783FA2C520}"/>
+              </a:ext>
+            </a:extLst>
+          </p:cNvPr>
+          <p:cNvSpPr/>
+          <p:nvPr/>
+        </p:nvSpPr>
+        <p:spPr>
+          <a:xfrm rot="2839061">
+            <a:off x="6904451" y="3805352"/>
+            <a:ext cx="438534" cy="1311872"/>
+          </a:xfrm>
+          <a:prstGeom prst="triangle">
+            <a:avLst>
+              <a:gd name="adj" fmla="val 100000"/>
+            </a:avLst>
+          </a:prstGeom>
+          <a:solidFill>
+            <a:schemeClr val="bg1"/>
+          </a:solidFill>
+          <a:ln>
+            <a:noFill/>
+          </a:ln>
+        </p:spPr>
+        <p:style>
+          <a:lnRef idx="2">
+            <a:schemeClr val="accent1">
+              <a:shade val="15000"/>
+            </a:schemeClr>
+          </a:lnRef>
+          <a:fillRef idx="1">
+            <a:schemeClr val="accent1"/>
+          </a:fillRef>
+          <a:effectRef idx="0">
+            <a:schemeClr val="accent1"/>
+          </a:effectRef>
+          <a:fontRef idx="minor">
+            <a:schemeClr val="lt1"/>
+          </a:fontRef>
+        </p:style>
+        <p:txBody>
+          <a:bodyPr rtlCol="0" anchor="ctr"/>
+          <a:lstStyle/>
+          <a:p>
+            <a:pPr algn="ctr"/>
+            <a:endParaRPr kumimoji="1" lang="ja-JP" altLang="en-US"/>
+          </a:p>
+        </p:txBody>
+      </p:sp>
+      <p:sp>
+        <p:nvSpPr>
+          <p:cNvPr id="10" name="二等辺三角形 9">
+            <a:extLst>
+              <a:ext uri="{FF2B5EF4-FFF2-40B4-BE49-F238E27FC236}">
+                <a16:creationId xmlns:a16="http://schemas.microsoft.com/office/drawing/2014/main" id="{9342E00C-B5F7-8618-AB27-A25A9319B2F8}"/>
+              </a:ext>
+            </a:extLst>
+          </p:cNvPr>
+          <p:cNvSpPr/>
+          <p:nvPr/>
+        </p:nvSpPr>
+        <p:spPr>
+          <a:xfrm rot="306320">
+            <a:off x="5808752" y="4773449"/>
+            <a:ext cx="1078670" cy="296637"/>
+          </a:xfrm>
+          <a:prstGeom prst="triangle">
+            <a:avLst/>
+          </a:prstGeom>
+          <a:solidFill>
+            <a:schemeClr val="bg1"/>
+          </a:solidFill>
+          <a:ln>
+            <a:noFill/>
+          </a:ln>
+        </p:spPr>
+        <p:style>
+          <a:lnRef idx="2">
+            <a:schemeClr val="accent1">
+              <a:shade val="15000"/>
+            </a:schemeClr>
+          </a:lnRef>
+          <a:fillRef idx="1">
+            <a:schemeClr val="accent1"/>
+          </a:fillRef>
+          <a:effectRef idx="0">
+            <a:schemeClr val="accent1"/>
+          </a:effectRef>
+          <a:fontRef idx="minor">
+            <a:schemeClr val="lt1"/>
+          </a:fontRef>
+        </p:style>
+        <p:txBody>
+          <a:bodyPr rtlCol="0" anchor="ctr"/>
+          <a:lstStyle/>
+          <a:p>
+            <a:pPr algn="ctr"/>
+            <a:endParaRPr kumimoji="1" lang="ja-JP" altLang="en-US"/>
+          </a:p>
+        </p:txBody>
+      </p:sp>
+      <p:sp>
+        <p:nvSpPr>
+          <p:cNvPr id="12" name="平行四辺形 11">
+            <a:extLst>
+              <a:ext uri="{FF2B5EF4-FFF2-40B4-BE49-F238E27FC236}">
+                <a16:creationId xmlns:a16="http://schemas.microsoft.com/office/drawing/2014/main" id="{4C131989-1E4F-EF48-40EB-43F13199E103}"/>
+              </a:ext>
+            </a:extLst>
+          </p:cNvPr>
+          <p:cNvSpPr/>
+          <p:nvPr/>
+        </p:nvSpPr>
+        <p:spPr>
+          <a:xfrm rot="2070969">
+            <a:off x="6531925" y="4698238"/>
+            <a:ext cx="542925" cy="341152"/>
+          </a:xfrm>
+          <a:prstGeom prst="parallelogram">
+            <a:avLst/>
+          </a:prstGeom>
+          <a:solidFill>
+            <a:schemeClr val="bg1"/>
+          </a:solidFill>
+          <a:ln>
+            <a:noFill/>
+          </a:ln>
+        </p:spPr>
+        <p:style>
+          <a:lnRef idx="2">
+            <a:schemeClr val="accent1">
+              <a:shade val="15000"/>
+            </a:schemeClr>
+          </a:lnRef>
+          <a:fillRef idx="1">
+            <a:schemeClr val="accent1"/>
+          </a:fillRef>
+          <a:effectRef idx="0">
+            <a:schemeClr val="accent1"/>
+          </a:effectRef>
+          <a:fontRef idx="minor">
+            <a:schemeClr val="lt1"/>
+          </a:fontRef>
+        </p:style>
+        <p:txBody>
+          <a:bodyPr rtlCol="0" anchor="ctr"/>
+          <a:lstStyle/>
+          <a:p>
+            <a:pPr algn="ctr"/>
+            <a:endParaRPr kumimoji="1" lang="ja-JP" altLang="en-US"/>
+          </a:p>
+        </p:txBody>
+      </p:sp>
+      <p:sp>
+        <p:nvSpPr>
+          <p:cNvPr id="13" name="平行四辺形 12">
+            <a:extLst>
+              <a:ext uri="{FF2B5EF4-FFF2-40B4-BE49-F238E27FC236}">
+                <a16:creationId xmlns:a16="http://schemas.microsoft.com/office/drawing/2014/main" id="{03B35143-C535-9453-F2E6-424B4DB6B244}"/>
+              </a:ext>
+            </a:extLst>
+          </p:cNvPr>
+          <p:cNvSpPr/>
+          <p:nvPr/>
+        </p:nvSpPr>
+        <p:spPr>
+          <a:xfrm rot="2875058">
+            <a:off x="6363873" y="4684110"/>
+            <a:ext cx="362156" cy="341152"/>
+          </a:xfrm>
+          <a:prstGeom prst="parallelogram">
+            <a:avLst/>
+          </a:prstGeom>
+          <a:solidFill>
+            <a:schemeClr val="bg1"/>
+          </a:solidFill>
+          <a:ln>
+            <a:noFill/>
+          </a:ln>
+        </p:spPr>
+        <p:style>
+          <a:lnRef idx="2">
+            <a:schemeClr val="accent1">
+              <a:shade val="15000"/>
+            </a:schemeClr>
+          </a:lnRef>
+          <a:fillRef idx="1">
+            <a:schemeClr val="accent1"/>
+          </a:fillRef>
+          <a:effectRef idx="0">
+            <a:schemeClr val="accent1"/>
+          </a:effectRef>
+          <a:fontRef idx="minor">
+            <a:schemeClr val="lt1"/>
+          </a:fontRef>
+        </p:style>
+        <p:txBody>
+          <a:bodyPr rtlCol="0" anchor="ctr"/>
+          <a:lstStyle/>
+          <a:p>
+            <a:pPr algn="ctr"/>
+            <a:endParaRPr kumimoji="1" lang="ja-JP" altLang="en-US"/>
+          </a:p>
+        </p:txBody>
+      </p:sp>
+      <p:pic>
+        <p:nvPicPr>
+          <p:cNvPr id="14" name="図 13">
+            <a:extLst>
+              <a:ext uri="{FF2B5EF4-FFF2-40B4-BE49-F238E27FC236}">
+                <a16:creationId xmlns:a16="http://schemas.microsoft.com/office/drawing/2014/main" id="{963CEF22-5B83-90EE-A754-98189360A836}"/>
+              </a:ext>
+            </a:extLst>
+          </p:cNvPr>
+          <p:cNvPicPr>
+            <a:picLocks noChangeAspect="1"/>
+          </p:cNvPicPr>
+          <p:nvPr/>
+        </p:nvPicPr>
+        <p:blipFill>
+          <a:blip r:embed="rId3">
+            <a:extLst>
+              <a:ext uri="{28A0092B-C50C-407E-A947-70E740481C1C}">
+                <a14:useLocalDpi xmlns:a14="http://schemas.microsoft.com/office/drawing/2010/main" val="0"/>
+              </a:ext>
+            </a:extLst>
+          </a:blip>
+          <a:stretch>
+            <a:fillRect/>
+          </a:stretch>
+        </p:blipFill>
+        <p:spPr>
+          <a:xfrm>
+            <a:off x="2222500" y="1009741"/>
+            <a:ext cx="8102600" cy="5438307"/>
+          </a:xfrm>
+          <a:prstGeom prst="rect">
+            <a:avLst/>
+          </a:prstGeom>
+        </p:spPr>
+      </p:pic>
+    </p:spTree>
+    <p:extLst>
+      <p:ext uri="{BB962C8B-B14F-4D97-AF65-F5344CB8AC3E}">
+        <p14:creationId xmlns:p14="http://schemas.microsoft.com/office/powerpoint/2010/main" val="323348999"/>
+      </p:ext>
+    </p:extLst>
+  </p:cSld>
+  <p:clrMapOvr>
+    <a:masterClrMapping/>
+  </p:clrMapOvr>
+</p:sld>
+</file>
+
+<file path=ppt/slides/slide4.xml><?xml version="1.0" encoding="utf-8"?>
+<p:sld xmlns:a="http://schemas.openxmlformats.org/drawingml/2006/main" xmlns:r="http://schemas.openxmlformats.org/officeDocument/2006/relationships" xmlns:p="http://schemas.openxmlformats.org/presentationml/2006/main">
+  <p:cSld>
     <p:spTree>
       <p:nvGrpSpPr>
         <p:cNvPr id="1" name="">
@@ -4471,7 +5205,7 @@
         </p:nvSpPr>
         <p:spPr>
           <a:xfrm>
-            <a:off x="2752698" y="2235200"/>
+            <a:off x="2320897" y="2235200"/>
             <a:ext cx="9144000" cy="2387600"/>
           </a:xfrm>
         </p:spPr>
@@ -4482,7 +5216,7 @@
           <a:lstStyle/>
           <a:p>
             <a:r>
-              <a:rPr kumimoji="1" lang="ja-JP" altLang="en-US" sz="13800" b="1">
+              <a:rPr kumimoji="1" lang="ja-JP" altLang="en-US" sz="11500" b="1">
                 <a:solidFill>
                   <a:srgbClr val="FF0000"/>
                 </a:solidFill>
@@ -4492,7 +5226,7 @@
               <a:t>健康</a:t>
             </a:r>
             <a:r>
-              <a:rPr kumimoji="1" lang="ja-JP" altLang="en-US" sz="13800" b="1">
+              <a:rPr kumimoji="1" lang="ja-JP" altLang="en-US" sz="11500" b="1">
                 <a:solidFill>
                   <a:srgbClr val="092F95"/>
                 </a:solidFill>
@@ -4532,14 +5266,64 @@
         </p:blipFill>
         <p:spPr>
           <a:xfrm>
-            <a:off x="1248364" y="2315043"/>
-            <a:ext cx="2562225" cy="2552700"/>
+            <a:off x="1663231" y="2711548"/>
+            <a:ext cx="2019769" cy="2012261"/>
           </a:xfrm>
           <a:prstGeom prst="rect">
             <a:avLst/>
           </a:prstGeom>
         </p:spPr>
       </p:pic>
+      <p:sp>
+        <p:nvSpPr>
+          <p:cNvPr id="2" name="正方形/長方形 1">
+            <a:extLst>
+              <a:ext uri="{FF2B5EF4-FFF2-40B4-BE49-F238E27FC236}">
+                <a16:creationId xmlns:a16="http://schemas.microsoft.com/office/drawing/2014/main" id="{B10B30D3-59EF-8C08-559B-8CC32372F637}"/>
+              </a:ext>
+            </a:extLst>
+          </p:cNvPr>
+          <p:cNvSpPr/>
+          <p:nvPr/>
+        </p:nvSpPr>
+        <p:spPr>
+          <a:xfrm>
+            <a:off x="626533" y="1591733"/>
+            <a:ext cx="10608733" cy="4114800"/>
+          </a:xfrm>
+          <a:prstGeom prst="rect">
+            <a:avLst/>
+          </a:prstGeom>
+          <a:noFill/>
+          <a:ln>
+            <a:noFill/>
+          </a:ln>
+        </p:spPr>
+        <p:style>
+          <a:lnRef idx="2">
+            <a:schemeClr val="accent1">
+              <a:shade val="15000"/>
+            </a:schemeClr>
+          </a:lnRef>
+          <a:fillRef idx="1">
+            <a:schemeClr val="accent1"/>
+          </a:fillRef>
+          <a:effectRef idx="0">
+            <a:schemeClr val="accent1"/>
+          </a:effectRef>
+          <a:fontRef idx="minor">
+            <a:schemeClr val="lt1"/>
+          </a:fontRef>
+        </p:style>
+        <p:txBody>
+          <a:bodyPr rtlCol="0" anchor="ctr"/>
+          <a:lstStyle/>
+          <a:p>
+            <a:pPr algn="ctr"/>
+            <a:endParaRPr kumimoji="1" lang="ja-JP" altLang="en-US"/>
+          </a:p>
+        </p:txBody>
+      </p:sp>
     </p:spTree>
     <p:extLst>
       <p:ext uri="{BB962C8B-B14F-4D97-AF65-F5344CB8AC3E}">
@@ -4553,7 +5337,7 @@
 </p:sld>
 </file>
 
-<file path=ppt/slides/slide4.xml><?xml version="1.0" encoding="utf-8"?>
+<file path=ppt/slides/slide5.xml><?xml version="1.0" encoding="utf-8"?>
 <p:sld xmlns:a="http://schemas.openxmlformats.org/drawingml/2006/main" xmlns:r="http://schemas.openxmlformats.org/officeDocument/2006/relationships" xmlns:p="http://schemas.openxmlformats.org/presentationml/2006/main">
   <p:cSld>
     <p:spTree>
@@ -4597,8 +5381,8 @@
         </p:blipFill>
         <p:spPr>
           <a:xfrm>
-            <a:off x="768350" y="1654628"/>
-            <a:ext cx="2959100" cy="3548743"/>
+            <a:off x="1098550" y="1998126"/>
+            <a:ext cx="2575983" cy="3089284"/>
           </a:xfrm>
           <a:prstGeom prst="rect">
             <a:avLst/>
@@ -4621,7 +5405,7 @@
         </p:nvSpPr>
         <p:spPr>
           <a:xfrm>
-            <a:off x="3819498" y="2530475"/>
+            <a:off x="3819498" y="2699810"/>
             <a:ext cx="9144000" cy="2387600"/>
           </a:xfrm>
           <a:prstGeom prst="rect">
@@ -4653,7 +5437,7 @@
           </a:lstStyle>
           <a:p>
             <a:r>
-              <a:rPr lang="ja-JP" altLang="en-US" sz="13000">
+              <a:rPr lang="ja-JP" altLang="en-US" sz="10800">
                 <a:ln w="76200">
                   <a:solidFill>
                     <a:srgbClr val="231816"/>
@@ -4668,7 +5452,7 @@
               <a:t>マ</a:t>
             </a:r>
             <a:r>
-              <a:rPr lang="ja-JP" altLang="en-US" sz="13000">
+              <a:rPr lang="ja-JP" altLang="en-US" sz="10800">
                 <a:ln w="76200">
                   <a:solidFill>
                     <a:srgbClr val="231816"/>
@@ -4685,10 +5469,841 @@
           </a:p>
         </p:txBody>
       </p:sp>
+      <p:sp>
+        <p:nvSpPr>
+          <p:cNvPr id="2" name="正方形/長方形 1">
+            <a:extLst>
+              <a:ext uri="{FF2B5EF4-FFF2-40B4-BE49-F238E27FC236}">
+                <a16:creationId xmlns:a16="http://schemas.microsoft.com/office/drawing/2014/main" id="{E499073B-C562-0B60-2A72-C7A52304F455}"/>
+              </a:ext>
+            </a:extLst>
+          </p:cNvPr>
+          <p:cNvSpPr/>
+          <p:nvPr/>
+        </p:nvSpPr>
+        <p:spPr>
+          <a:xfrm>
+            <a:off x="626533" y="1591733"/>
+            <a:ext cx="10608733" cy="4114800"/>
+          </a:xfrm>
+          <a:prstGeom prst="rect">
+            <a:avLst/>
+          </a:prstGeom>
+          <a:noFill/>
+          <a:ln>
+            <a:noFill/>
+          </a:ln>
+        </p:spPr>
+        <p:style>
+          <a:lnRef idx="2">
+            <a:schemeClr val="accent1">
+              <a:shade val="15000"/>
+            </a:schemeClr>
+          </a:lnRef>
+          <a:fillRef idx="1">
+            <a:schemeClr val="accent1"/>
+          </a:fillRef>
+          <a:effectRef idx="0">
+            <a:schemeClr val="accent1"/>
+          </a:effectRef>
+          <a:fontRef idx="minor">
+            <a:schemeClr val="lt1"/>
+          </a:fontRef>
+        </p:style>
+        <p:txBody>
+          <a:bodyPr rtlCol="0" anchor="ctr"/>
+          <a:lstStyle/>
+          <a:p>
+            <a:pPr algn="ctr"/>
+            <a:endParaRPr kumimoji="1" lang="ja-JP" altLang="en-US"/>
+          </a:p>
+        </p:txBody>
+      </p:sp>
     </p:spTree>
     <p:extLst>
       <p:ext uri="{BB962C8B-B14F-4D97-AF65-F5344CB8AC3E}">
         <p14:creationId xmlns:p14="http://schemas.microsoft.com/office/powerpoint/2010/main" val="2209160461"/>
+      </p:ext>
+    </p:extLst>
+  </p:cSld>
+  <p:clrMapOvr>
+    <a:masterClrMapping/>
+  </p:clrMapOvr>
+</p:sld>
+</file>
+
+<file path=ppt/slides/slide6.xml><?xml version="1.0" encoding="utf-8"?>
+<p:sld xmlns:a="http://schemas.openxmlformats.org/drawingml/2006/main" xmlns:r="http://schemas.openxmlformats.org/officeDocument/2006/relationships" xmlns:p="http://schemas.openxmlformats.org/presentationml/2006/main">
+  <p:cSld>
+    <p:spTree>
+      <p:nvGrpSpPr>
+        <p:cNvPr id="1" name="">
+          <a:extLst>
+            <a:ext uri="{FF2B5EF4-FFF2-40B4-BE49-F238E27FC236}">
+              <a16:creationId xmlns:a16="http://schemas.microsoft.com/office/drawing/2014/main" id="{CAFD8447-00C0-171D-16B9-FA9177A0F2E3}"/>
+            </a:ext>
+          </a:extLst>
+        </p:cNvPr>
+        <p:cNvGrpSpPr/>
+        <p:nvPr/>
+      </p:nvGrpSpPr>
+      <p:grpSpPr>
+        <a:xfrm>
+          <a:off x="0" y="0"/>
+          <a:ext cx="0" cy="0"/>
+          <a:chOff x="0" y="0"/>
+          <a:chExt cx="0" cy="0"/>
+        </a:xfrm>
+      </p:grpSpPr>
+      <p:sp>
+        <p:nvSpPr>
+          <p:cNvPr id="3" name="正方形/長方形 2">
+            <a:extLst>
+              <a:ext uri="{FF2B5EF4-FFF2-40B4-BE49-F238E27FC236}">
+                <a16:creationId xmlns:a16="http://schemas.microsoft.com/office/drawing/2014/main" id="{72026900-B86C-D025-0852-28D6B5B3D9FF}"/>
+              </a:ext>
+            </a:extLst>
+          </p:cNvPr>
+          <p:cNvSpPr/>
+          <p:nvPr/>
+        </p:nvSpPr>
+        <p:spPr>
+          <a:xfrm>
+            <a:off x="791633" y="1591733"/>
+            <a:ext cx="10608733" cy="4114800"/>
+          </a:xfrm>
+          <a:prstGeom prst="rect">
+            <a:avLst/>
+          </a:prstGeom>
+          <a:noFill/>
+          <a:ln>
+            <a:noFill/>
+          </a:ln>
+        </p:spPr>
+        <p:style>
+          <a:lnRef idx="2">
+            <a:schemeClr val="accent1">
+              <a:shade val="15000"/>
+            </a:schemeClr>
+          </a:lnRef>
+          <a:fillRef idx="1">
+            <a:schemeClr val="accent1"/>
+          </a:fillRef>
+          <a:effectRef idx="0">
+            <a:schemeClr val="accent1"/>
+          </a:effectRef>
+          <a:fontRef idx="minor">
+            <a:schemeClr val="lt1"/>
+          </a:fontRef>
+        </p:style>
+        <p:txBody>
+          <a:bodyPr rtlCol="0" anchor="ctr"/>
+          <a:lstStyle/>
+          <a:p>
+            <a:pPr algn="ctr"/>
+            <a:endParaRPr kumimoji="1" lang="ja-JP" altLang="en-US"/>
+          </a:p>
+        </p:txBody>
+      </p:sp>
+      <p:sp>
+        <p:nvSpPr>
+          <p:cNvPr id="2" name="タイトル 1">
+            <a:extLst>
+              <a:ext uri="{FF2B5EF4-FFF2-40B4-BE49-F238E27FC236}">
+                <a16:creationId xmlns:a16="http://schemas.microsoft.com/office/drawing/2014/main" id="{244CBFC9-FA60-1D89-F80B-88AFA862ED82}"/>
+              </a:ext>
+            </a:extLst>
+          </p:cNvPr>
+          <p:cNvSpPr>
+            <a:spLocks noGrp="1"/>
+          </p:cNvSpPr>
+          <p:nvPr>
+            <p:ph type="ctrTitle"/>
+          </p:nvPr>
+        </p:nvSpPr>
+        <p:spPr>
+          <a:xfrm>
+            <a:off x="1523999" y="2285999"/>
+            <a:ext cx="9144000" cy="2387600"/>
+          </a:xfrm>
+        </p:spPr>
+        <p:txBody>
+          <a:bodyPr>
+            <a:noAutofit/>
+          </a:bodyPr>
+          <a:lstStyle/>
+          <a:p>
+            <a:r>
+              <a:rPr kumimoji="1" lang="ja-JP" altLang="en-US" sz="14900">
+                <a:solidFill>
+                  <a:schemeClr val="accent2"/>
+                </a:solidFill>
+                <a:latin typeface="マキナス 4 Square" panose="02000600000000000000" pitchFamily="50" charset="-128"/>
+                <a:ea typeface="マキナス 4 Square" panose="02000600000000000000" pitchFamily="50" charset="-128"/>
+              </a:rPr>
+              <a:t>控 除</a:t>
+            </a:r>
+          </a:p>
+        </p:txBody>
+      </p:sp>
+      <p:sp>
+        <p:nvSpPr>
+          <p:cNvPr id="4" name="タイトル 1">
+            <a:extLst>
+              <a:ext uri="{FF2B5EF4-FFF2-40B4-BE49-F238E27FC236}">
+                <a16:creationId xmlns:a16="http://schemas.microsoft.com/office/drawing/2014/main" id="{6C0245A9-3E23-F26B-823A-F0EAB883FCF1}"/>
+              </a:ext>
+            </a:extLst>
+          </p:cNvPr>
+          <p:cNvSpPr txBox="1">
+            <a:spLocks/>
+          </p:cNvSpPr>
+          <p:nvPr/>
+        </p:nvSpPr>
+        <p:spPr>
+          <a:xfrm>
+            <a:off x="1532465" y="2717798"/>
+            <a:ext cx="9144000" cy="2387600"/>
+          </a:xfrm>
+          <a:prstGeom prst="rect">
+            <a:avLst/>
+          </a:prstGeom>
+        </p:spPr>
+        <p:txBody>
+          <a:bodyPr vert="horz" lIns="91440" tIns="45720" rIns="91440" bIns="45720" rtlCol="0" anchor="b">
+            <a:noAutofit/>
+          </a:bodyPr>
+          <a:lstStyle>
+            <a:lvl1pPr algn="ctr" defTabSz="914400" rtl="0" eaLnBrk="1" latinLnBrk="0" hangingPunct="1">
+              <a:lnSpc>
+                <a:spcPct val="90000"/>
+              </a:lnSpc>
+              <a:spcBef>
+                <a:spcPct val="0"/>
+              </a:spcBef>
+              <a:buNone/>
+              <a:defRPr kumimoji="1" sz="6000" kern="1200">
+                <a:solidFill>
+                  <a:schemeClr val="tx1"/>
+                </a:solidFill>
+                <a:latin typeface="+mj-lt"/>
+                <a:ea typeface="+mj-ea"/>
+                <a:cs typeface="+mj-cs"/>
+              </a:defRPr>
+            </a:lvl1pPr>
+          </a:lstStyle>
+          <a:p>
+            <a:r>
+              <a:rPr lang="en-US" altLang="ja-JP" sz="4800">
+                <a:solidFill>
+                  <a:schemeClr val="accent2">
+                    <a:lumMod val="60000"/>
+                    <a:lumOff val="40000"/>
+                  </a:schemeClr>
+                </a:solidFill>
+                <a:latin typeface="マキナス 4 Square" panose="02000600000000000000" pitchFamily="50" charset="-128"/>
+                <a:ea typeface="マキナス 4 Square" panose="02000600000000000000" pitchFamily="50" charset="-128"/>
+              </a:rPr>
+              <a:t>-deduction-</a:t>
+            </a:r>
+            <a:endParaRPr lang="ja-JP" altLang="en-US" sz="4800">
+              <a:solidFill>
+                <a:schemeClr val="accent2">
+                  <a:lumMod val="60000"/>
+                  <a:lumOff val="40000"/>
+                </a:schemeClr>
+              </a:solidFill>
+              <a:latin typeface="マキナス 4 Square" panose="02000600000000000000" pitchFamily="50" charset="-128"/>
+              <a:ea typeface="マキナス 4 Square" panose="02000600000000000000" pitchFamily="50" charset="-128"/>
+            </a:endParaRPr>
+          </a:p>
+        </p:txBody>
+      </p:sp>
+    </p:spTree>
+    <p:extLst>
+      <p:ext uri="{BB962C8B-B14F-4D97-AF65-F5344CB8AC3E}">
+        <p14:creationId xmlns:p14="http://schemas.microsoft.com/office/powerpoint/2010/main" val="1678946813"/>
+      </p:ext>
+    </p:extLst>
+  </p:cSld>
+  <p:clrMapOvr>
+    <a:masterClrMapping/>
+  </p:clrMapOvr>
+</p:sld>
+</file>
+
+<file path=ppt/slides/slide7.xml><?xml version="1.0" encoding="utf-8"?>
+<p:sld xmlns:a="http://schemas.openxmlformats.org/drawingml/2006/main" xmlns:r="http://schemas.openxmlformats.org/officeDocument/2006/relationships" xmlns:p="http://schemas.openxmlformats.org/presentationml/2006/main">
+  <p:cSld>
+    <p:spTree>
+      <p:nvGrpSpPr>
+        <p:cNvPr id="1" name="">
+          <a:extLst>
+            <a:ext uri="{FF2B5EF4-FFF2-40B4-BE49-F238E27FC236}">
+              <a16:creationId xmlns:a16="http://schemas.microsoft.com/office/drawing/2014/main" id="{22E0AFA0-BA9D-CA19-7E2B-0F924C3F5B74}"/>
+            </a:ext>
+          </a:extLst>
+        </p:cNvPr>
+        <p:cNvGrpSpPr/>
+        <p:nvPr/>
+      </p:nvGrpSpPr>
+      <p:grpSpPr>
+        <a:xfrm>
+          <a:off x="0" y="0"/>
+          <a:ext cx="0" cy="0"/>
+          <a:chOff x="0" y="0"/>
+          <a:chExt cx="0" cy="0"/>
+        </a:xfrm>
+      </p:grpSpPr>
+      <p:sp>
+        <p:nvSpPr>
+          <p:cNvPr id="3" name="正方形/長方形 2">
+            <a:extLst>
+              <a:ext uri="{FF2B5EF4-FFF2-40B4-BE49-F238E27FC236}">
+                <a16:creationId xmlns:a16="http://schemas.microsoft.com/office/drawing/2014/main" id="{C4E1215E-A6C5-6831-6943-1C0C950EE426}"/>
+              </a:ext>
+            </a:extLst>
+          </p:cNvPr>
+          <p:cNvSpPr/>
+          <p:nvPr/>
+        </p:nvSpPr>
+        <p:spPr>
+          <a:xfrm>
+            <a:off x="791633" y="1591733"/>
+            <a:ext cx="10608733" cy="4114800"/>
+          </a:xfrm>
+          <a:prstGeom prst="rect">
+            <a:avLst/>
+          </a:prstGeom>
+          <a:noFill/>
+          <a:ln>
+            <a:noFill/>
+          </a:ln>
+        </p:spPr>
+        <p:style>
+          <a:lnRef idx="2">
+            <a:schemeClr val="accent1">
+              <a:shade val="15000"/>
+            </a:schemeClr>
+          </a:lnRef>
+          <a:fillRef idx="1">
+            <a:schemeClr val="accent1"/>
+          </a:fillRef>
+          <a:effectRef idx="0">
+            <a:schemeClr val="accent1"/>
+          </a:effectRef>
+          <a:fontRef idx="minor">
+            <a:schemeClr val="lt1"/>
+          </a:fontRef>
+        </p:style>
+        <p:txBody>
+          <a:bodyPr rtlCol="0" anchor="ctr"/>
+          <a:lstStyle/>
+          <a:p>
+            <a:pPr algn="ctr"/>
+            <a:endParaRPr kumimoji="1" lang="ja-JP" altLang="en-US"/>
+          </a:p>
+        </p:txBody>
+      </p:sp>
+      <p:sp>
+        <p:nvSpPr>
+          <p:cNvPr id="2" name="タイトル 1">
+            <a:extLst>
+              <a:ext uri="{FF2B5EF4-FFF2-40B4-BE49-F238E27FC236}">
+                <a16:creationId xmlns:a16="http://schemas.microsoft.com/office/drawing/2014/main" id="{4E6A905D-A316-BDBA-909A-AB274533B272}"/>
+              </a:ext>
+            </a:extLst>
+          </p:cNvPr>
+          <p:cNvSpPr>
+            <a:spLocks noGrp="1"/>
+          </p:cNvSpPr>
+          <p:nvPr>
+            <p:ph type="ctrTitle"/>
+          </p:nvPr>
+        </p:nvSpPr>
+        <p:spPr>
+          <a:xfrm>
+            <a:off x="1523999" y="2285999"/>
+            <a:ext cx="9144000" cy="2387600"/>
+          </a:xfrm>
+        </p:spPr>
+        <p:txBody>
+          <a:bodyPr>
+            <a:noAutofit/>
+          </a:bodyPr>
+          <a:lstStyle/>
+          <a:p>
+            <a:r>
+              <a:rPr kumimoji="1" lang="ja-JP" altLang="en-US" sz="14900">
+                <a:solidFill>
+                  <a:schemeClr val="accent1"/>
+                </a:solidFill>
+                <a:latin typeface="マキナス 4 Square" panose="02000600000000000000" pitchFamily="50" charset="-128"/>
+                <a:ea typeface="マキナス 4 Square" panose="02000600000000000000" pitchFamily="50" charset="-128"/>
+              </a:rPr>
+              <a:t>国税庁</a:t>
+            </a:r>
+          </a:p>
+        </p:txBody>
+      </p:sp>
+      <p:sp>
+        <p:nvSpPr>
+          <p:cNvPr id="4" name="タイトル 1">
+            <a:extLst>
+              <a:ext uri="{FF2B5EF4-FFF2-40B4-BE49-F238E27FC236}">
+                <a16:creationId xmlns:a16="http://schemas.microsoft.com/office/drawing/2014/main" id="{28DEB0A6-4E0B-3AC6-57D8-D053D3528FD3}"/>
+              </a:ext>
+            </a:extLst>
+          </p:cNvPr>
+          <p:cNvSpPr txBox="1">
+            <a:spLocks/>
+          </p:cNvSpPr>
+          <p:nvPr/>
+        </p:nvSpPr>
+        <p:spPr>
+          <a:xfrm>
+            <a:off x="1532465" y="2717798"/>
+            <a:ext cx="9144000" cy="2387600"/>
+          </a:xfrm>
+          <a:prstGeom prst="rect">
+            <a:avLst/>
+          </a:prstGeom>
+        </p:spPr>
+        <p:txBody>
+          <a:bodyPr vert="horz" lIns="91440" tIns="45720" rIns="91440" bIns="45720" rtlCol="0" anchor="b">
+            <a:noAutofit/>
+          </a:bodyPr>
+          <a:lstStyle>
+            <a:lvl1pPr algn="ctr" defTabSz="914400" rtl="0" eaLnBrk="1" latinLnBrk="0" hangingPunct="1">
+              <a:lnSpc>
+                <a:spcPct val="90000"/>
+              </a:lnSpc>
+              <a:spcBef>
+                <a:spcPct val="0"/>
+              </a:spcBef>
+              <a:buNone/>
+              <a:defRPr kumimoji="1" sz="6000" kern="1200">
+                <a:solidFill>
+                  <a:schemeClr val="tx1"/>
+                </a:solidFill>
+                <a:latin typeface="+mj-lt"/>
+                <a:ea typeface="+mj-ea"/>
+                <a:cs typeface="+mj-cs"/>
+              </a:defRPr>
+            </a:lvl1pPr>
+          </a:lstStyle>
+          <a:p>
+            <a:r>
+              <a:rPr lang="en-US" altLang="ja-JP" sz="4800">
+                <a:solidFill>
+                  <a:schemeClr val="accent1">
+                    <a:lumMod val="60000"/>
+                    <a:lumOff val="40000"/>
+                  </a:schemeClr>
+                </a:solidFill>
+                <a:latin typeface="マキナス 4 Square" panose="02000600000000000000" pitchFamily="50" charset="-128"/>
+                <a:ea typeface="マキナス 4 Square" panose="02000600000000000000" pitchFamily="50" charset="-128"/>
+              </a:rPr>
+              <a:t>-national tax agency-</a:t>
+            </a:r>
+            <a:endParaRPr lang="ja-JP" altLang="en-US" sz="4800">
+              <a:solidFill>
+                <a:schemeClr val="accent1">
+                  <a:lumMod val="60000"/>
+                  <a:lumOff val="40000"/>
+                </a:schemeClr>
+              </a:solidFill>
+              <a:latin typeface="マキナス 4 Square" panose="02000600000000000000" pitchFamily="50" charset="-128"/>
+              <a:ea typeface="マキナス 4 Square" panose="02000600000000000000" pitchFamily="50" charset="-128"/>
+            </a:endParaRPr>
+          </a:p>
+        </p:txBody>
+      </p:sp>
+    </p:spTree>
+    <p:extLst>
+      <p:ext uri="{BB962C8B-B14F-4D97-AF65-F5344CB8AC3E}">
+        <p14:creationId xmlns:p14="http://schemas.microsoft.com/office/powerpoint/2010/main" val="2709293463"/>
+      </p:ext>
+    </p:extLst>
+  </p:cSld>
+  <p:clrMapOvr>
+    <a:masterClrMapping/>
+  </p:clrMapOvr>
+</p:sld>
+</file>
+
+<file path=ppt/slides/slide8.xml><?xml version="1.0" encoding="utf-8"?>
+<p:sld xmlns:a="http://schemas.openxmlformats.org/drawingml/2006/main" xmlns:r="http://schemas.openxmlformats.org/officeDocument/2006/relationships" xmlns:p="http://schemas.openxmlformats.org/presentationml/2006/main">
+  <p:cSld>
+    <p:spTree>
+      <p:nvGrpSpPr>
+        <p:cNvPr id="1" name="">
+          <a:extLst>
+            <a:ext uri="{FF2B5EF4-FFF2-40B4-BE49-F238E27FC236}">
+              <a16:creationId xmlns:a16="http://schemas.microsoft.com/office/drawing/2014/main" id="{8828BBD5-11D8-69F9-7364-F82E7D6C6C49}"/>
+            </a:ext>
+          </a:extLst>
+        </p:cNvPr>
+        <p:cNvGrpSpPr/>
+        <p:nvPr/>
+      </p:nvGrpSpPr>
+      <p:grpSpPr>
+        <a:xfrm>
+          <a:off x="0" y="0"/>
+          <a:ext cx="0" cy="0"/>
+          <a:chOff x="0" y="0"/>
+          <a:chExt cx="0" cy="0"/>
+        </a:xfrm>
+      </p:grpSpPr>
+      <p:sp>
+        <p:nvSpPr>
+          <p:cNvPr id="3" name="正方形/長方形 2">
+            <a:extLst>
+              <a:ext uri="{FF2B5EF4-FFF2-40B4-BE49-F238E27FC236}">
+                <a16:creationId xmlns:a16="http://schemas.microsoft.com/office/drawing/2014/main" id="{4837547F-997D-01FF-9B70-C3A27E4FE309}"/>
+              </a:ext>
+            </a:extLst>
+          </p:cNvPr>
+          <p:cNvSpPr/>
+          <p:nvPr/>
+        </p:nvSpPr>
+        <p:spPr>
+          <a:xfrm>
+            <a:off x="791633" y="1591733"/>
+            <a:ext cx="10608733" cy="4114800"/>
+          </a:xfrm>
+          <a:prstGeom prst="rect">
+            <a:avLst/>
+          </a:prstGeom>
+          <a:noFill/>
+          <a:ln>
+            <a:noFill/>
+          </a:ln>
+        </p:spPr>
+        <p:style>
+          <a:lnRef idx="2">
+            <a:schemeClr val="accent1">
+              <a:shade val="15000"/>
+            </a:schemeClr>
+          </a:lnRef>
+          <a:fillRef idx="1">
+            <a:schemeClr val="accent1"/>
+          </a:fillRef>
+          <a:effectRef idx="0">
+            <a:schemeClr val="accent1"/>
+          </a:effectRef>
+          <a:fontRef idx="minor">
+            <a:schemeClr val="lt1"/>
+          </a:fontRef>
+        </p:style>
+        <p:txBody>
+          <a:bodyPr rtlCol="0" anchor="ctr"/>
+          <a:lstStyle/>
+          <a:p>
+            <a:pPr algn="ctr"/>
+            <a:endParaRPr kumimoji="1" lang="ja-JP" altLang="en-US"/>
+          </a:p>
+        </p:txBody>
+      </p:sp>
+      <p:pic>
+        <p:nvPicPr>
+          <p:cNvPr id="2050" name="Picture 2">
+            <a:extLst>
+              <a:ext uri="{FF2B5EF4-FFF2-40B4-BE49-F238E27FC236}">
+                <a16:creationId xmlns:a16="http://schemas.microsoft.com/office/drawing/2014/main" id="{2CD53AFD-FA41-EF59-19D5-40E5BF3EC87F}"/>
+              </a:ext>
+            </a:extLst>
+          </p:cNvPr>
+          <p:cNvPicPr>
+            <a:picLocks noChangeAspect="1" noChangeArrowheads="1"/>
+          </p:cNvPicPr>
+          <p:nvPr/>
+        </p:nvPicPr>
+        <p:blipFill>
+          <a:blip r:embed="rId2">
+            <a:extLst>
+              <a:ext uri="{28A0092B-C50C-407E-A947-70E740481C1C}">
+                <a14:useLocalDpi xmlns:a14="http://schemas.microsoft.com/office/drawing/2010/main" val="0"/>
+              </a:ext>
+            </a:extLst>
+          </a:blip>
+          <a:srcRect/>
+          <a:stretch>
+            <a:fillRect/>
+          </a:stretch>
+        </p:blipFill>
+        <p:spPr bwMode="auto">
+          <a:xfrm>
+            <a:off x="2555753" y="2765821"/>
+            <a:ext cx="7080494" cy="1665023"/>
+          </a:xfrm>
+          <a:prstGeom prst="rect">
+            <a:avLst/>
+          </a:prstGeom>
+          <a:noFill/>
+          <a:extLst>
+            <a:ext uri="{909E8E84-426E-40DD-AFC4-6F175D3DCCD1}">
+              <a14:hiddenFill xmlns:a14="http://schemas.microsoft.com/office/drawing/2010/main">
+                <a:solidFill>
+                  <a:srgbClr val="FFFFFF"/>
+                </a:solidFill>
+              </a14:hiddenFill>
+            </a:ext>
+          </a:extLst>
+        </p:spPr>
+      </p:pic>
+    </p:spTree>
+    <p:extLst>
+      <p:ext uri="{BB962C8B-B14F-4D97-AF65-F5344CB8AC3E}">
+        <p14:creationId xmlns:p14="http://schemas.microsoft.com/office/powerpoint/2010/main" val="1754842834"/>
+      </p:ext>
+    </p:extLst>
+  </p:cSld>
+  <p:clrMapOvr>
+    <a:masterClrMapping/>
+  </p:clrMapOvr>
+</p:sld>
+</file>
+
+<file path=ppt/slides/slide9.xml><?xml version="1.0" encoding="utf-8"?>
+<p:sld xmlns:a="http://schemas.openxmlformats.org/drawingml/2006/main" xmlns:r="http://schemas.openxmlformats.org/officeDocument/2006/relationships" xmlns:p="http://schemas.openxmlformats.org/presentationml/2006/main">
+  <p:cSld>
+    <p:bg>
+      <p:bgPr>
+        <a:solidFill>
+          <a:schemeClr val="tx1">
+            <a:lumMod val="95000"/>
+            <a:lumOff val="5000"/>
+          </a:schemeClr>
+        </a:solidFill>
+        <a:effectLst/>
+      </p:bgPr>
+    </p:bg>
+    <p:spTree>
+      <p:nvGrpSpPr>
+        <p:cNvPr id="1" name="">
+          <a:extLst>
+            <a:ext uri="{FF2B5EF4-FFF2-40B4-BE49-F238E27FC236}">
+              <a16:creationId xmlns:a16="http://schemas.microsoft.com/office/drawing/2014/main" id="{E25E457C-FB41-187B-3DA1-6E46399E86CE}"/>
+            </a:ext>
+          </a:extLst>
+        </p:cNvPr>
+        <p:cNvGrpSpPr/>
+        <p:nvPr/>
+      </p:nvGrpSpPr>
+      <p:grpSpPr>
+        <a:xfrm>
+          <a:off x="0" y="0"/>
+          <a:ext cx="0" cy="0"/>
+          <a:chOff x="0" y="0"/>
+          <a:chExt cx="0" cy="0"/>
+        </a:xfrm>
+      </p:grpSpPr>
+      <p:sp>
+        <p:nvSpPr>
+          <p:cNvPr id="4" name="楕円 3">
+            <a:extLst>
+              <a:ext uri="{FF2B5EF4-FFF2-40B4-BE49-F238E27FC236}">
+                <a16:creationId xmlns:a16="http://schemas.microsoft.com/office/drawing/2014/main" id="{9DA009C9-1B81-A917-2B19-C923D5B70442}"/>
+              </a:ext>
+            </a:extLst>
+          </p:cNvPr>
+          <p:cNvSpPr/>
+          <p:nvPr/>
+        </p:nvSpPr>
+        <p:spPr>
+          <a:xfrm>
+            <a:off x="2619253" y="2838450"/>
+            <a:ext cx="1225550" cy="1225550"/>
+          </a:xfrm>
+          <a:prstGeom prst="ellipse">
+            <a:avLst/>
+          </a:prstGeom>
+          <a:solidFill>
+            <a:schemeClr val="bg1"/>
+          </a:solidFill>
+          <a:ln>
+            <a:noFill/>
+          </a:ln>
+        </p:spPr>
+        <p:style>
+          <a:lnRef idx="2">
+            <a:schemeClr val="accent1">
+              <a:shade val="15000"/>
+            </a:schemeClr>
+          </a:lnRef>
+          <a:fillRef idx="1">
+            <a:schemeClr val="accent1"/>
+          </a:fillRef>
+          <a:effectRef idx="0">
+            <a:schemeClr val="accent1"/>
+          </a:effectRef>
+          <a:fontRef idx="minor">
+            <a:schemeClr val="lt1"/>
+          </a:fontRef>
+        </p:style>
+        <p:txBody>
+          <a:bodyPr rtlCol="0" anchor="ctr"/>
+          <a:lstStyle/>
+          <a:p>
+            <a:pPr algn="ctr"/>
+            <a:endParaRPr kumimoji="1" lang="ja-JP" altLang="en-US"/>
+          </a:p>
+        </p:txBody>
+      </p:sp>
+      <p:sp>
+        <p:nvSpPr>
+          <p:cNvPr id="3" name="正方形/長方形 2">
+            <a:extLst>
+              <a:ext uri="{FF2B5EF4-FFF2-40B4-BE49-F238E27FC236}">
+                <a16:creationId xmlns:a16="http://schemas.microsoft.com/office/drawing/2014/main" id="{CBBBD15D-EDDB-7145-13CB-BB68468FAAC4}"/>
+              </a:ext>
+            </a:extLst>
+          </p:cNvPr>
+          <p:cNvSpPr/>
+          <p:nvPr/>
+        </p:nvSpPr>
+        <p:spPr>
+          <a:xfrm>
+            <a:off x="791633" y="1591733"/>
+            <a:ext cx="10608733" cy="4114800"/>
+          </a:xfrm>
+          <a:prstGeom prst="rect">
+            <a:avLst/>
+          </a:prstGeom>
+          <a:noFill/>
+          <a:ln>
+            <a:noFill/>
+          </a:ln>
+        </p:spPr>
+        <p:style>
+          <a:lnRef idx="2">
+            <a:schemeClr val="accent1">
+              <a:shade val="15000"/>
+            </a:schemeClr>
+          </a:lnRef>
+          <a:fillRef idx="1">
+            <a:schemeClr val="accent1"/>
+          </a:fillRef>
+          <a:effectRef idx="0">
+            <a:schemeClr val="accent1"/>
+          </a:effectRef>
+          <a:fontRef idx="minor">
+            <a:schemeClr val="lt1"/>
+          </a:fontRef>
+        </p:style>
+        <p:txBody>
+          <a:bodyPr rtlCol="0" anchor="ctr"/>
+          <a:lstStyle/>
+          <a:p>
+            <a:pPr algn="ctr"/>
+            <a:endParaRPr kumimoji="1" lang="ja-JP" altLang="en-US"/>
+          </a:p>
+        </p:txBody>
+      </p:sp>
+      <p:pic>
+        <p:nvPicPr>
+          <p:cNvPr id="2050" name="Picture 2">
+            <a:extLst>
+              <a:ext uri="{FF2B5EF4-FFF2-40B4-BE49-F238E27FC236}">
+                <a16:creationId xmlns:a16="http://schemas.microsoft.com/office/drawing/2014/main" id="{AC66E186-2BB2-8AD2-B210-DD8F60C69A2C}"/>
+              </a:ext>
+            </a:extLst>
+          </p:cNvPr>
+          <p:cNvPicPr>
+            <a:picLocks noChangeAspect="1" noChangeArrowheads="1"/>
+          </p:cNvPicPr>
+          <p:nvPr/>
+        </p:nvPicPr>
+        <p:blipFill rotWithShape="1">
+          <a:blip r:embed="rId2">
+            <a:extLst>
+              <a:ext uri="{BEBA8EAE-BF5A-486C-A8C5-ECC9F3942E4B}">
+                <a14:imgProps xmlns:a14="http://schemas.microsoft.com/office/drawing/2010/main">
+                  <a14:imgLayer r:embed="rId3">
+                    <a14:imgEffect>
+                      <a14:brightnessContrast bright="100000" contrast="100000"/>
+                    </a14:imgEffect>
+                  </a14:imgLayer>
+                </a14:imgProps>
+              </a:ext>
+              <a:ext uri="{28A0092B-C50C-407E-A947-70E740481C1C}">
+                <a14:useLocalDpi xmlns:a14="http://schemas.microsoft.com/office/drawing/2010/main" val="0"/>
+              </a:ext>
+            </a:extLst>
+          </a:blip>
+          <a:srcRect l="19508"/>
+          <a:stretch/>
+        </p:blipFill>
+        <p:spPr bwMode="auto">
+          <a:xfrm>
+            <a:off x="3936999" y="2765821"/>
+            <a:ext cx="5699247" cy="1665023"/>
+          </a:xfrm>
+          <a:prstGeom prst="rect">
+            <a:avLst/>
+          </a:prstGeom>
+          <a:noFill/>
+          <a:extLst>
+            <a:ext uri="{909E8E84-426E-40DD-AFC4-6F175D3DCCD1}">
+              <a14:hiddenFill xmlns:a14="http://schemas.microsoft.com/office/drawing/2010/main">
+                <a:solidFill>
+                  <a:srgbClr val="FFFFFF"/>
+                </a:solidFill>
+              </a14:hiddenFill>
+            </a:ext>
+          </a:extLst>
+        </p:spPr>
+      </p:pic>
+      <p:pic>
+        <p:nvPicPr>
+          <p:cNvPr id="2" name="Picture 2">
+            <a:extLst>
+              <a:ext uri="{FF2B5EF4-FFF2-40B4-BE49-F238E27FC236}">
+                <a16:creationId xmlns:a16="http://schemas.microsoft.com/office/drawing/2014/main" id="{590FB2E4-0631-E5FC-B411-065B7761F80E}"/>
+              </a:ext>
+            </a:extLst>
+          </p:cNvPr>
+          <p:cNvPicPr>
+            <a:picLocks noChangeAspect="1" noChangeArrowheads="1"/>
+          </p:cNvPicPr>
+          <p:nvPr/>
+        </p:nvPicPr>
+        <p:blipFill rotWithShape="1">
+          <a:blip r:embed="rId4">
+            <a:extLst>
+              <a:ext uri="{28A0092B-C50C-407E-A947-70E740481C1C}">
+                <a14:useLocalDpi xmlns:a14="http://schemas.microsoft.com/office/drawing/2010/main" val="0"/>
+              </a:ext>
+            </a:extLst>
+          </a:blip>
+          <a:srcRect r="79864"/>
+          <a:stretch/>
+        </p:blipFill>
+        <p:spPr bwMode="auto">
+          <a:xfrm>
+            <a:off x="2555753" y="2765821"/>
+            <a:ext cx="1425697" cy="1665023"/>
+          </a:xfrm>
+          <a:prstGeom prst="rect">
+            <a:avLst/>
+          </a:prstGeom>
+          <a:noFill/>
+          <a:extLst>
+            <a:ext uri="{909E8E84-426E-40DD-AFC4-6F175D3DCCD1}">
+              <a14:hiddenFill xmlns:a14="http://schemas.microsoft.com/office/drawing/2010/main">
+                <a:solidFill>
+                  <a:srgbClr val="FFFFFF"/>
+                </a:solidFill>
+              </a14:hiddenFill>
+            </a:ext>
+          </a:extLst>
+        </p:spPr>
+      </p:pic>
+    </p:spTree>
+    <p:extLst>
+      <p:ext uri="{BB962C8B-B14F-4D97-AF65-F5344CB8AC3E}">
+        <p14:creationId xmlns:p14="http://schemas.microsoft.com/office/powerpoint/2010/main" val="4162708334"/>
       </p:ext>
     </p:extLst>
   </p:cSld>

--- a/images/logo.pptx
+++ b/images/logo.pptx
@@ -5,7 +5,7 @@
     <p:sldMasterId id="2147483648" r:id="rId1"/>
   </p:sldMasterIdLst>
   <p:notesMasterIdLst>
-    <p:notesMasterId r:id="rId11"/>
+    <p:notesMasterId r:id="rId13"/>
   </p:notesMasterIdLst>
   <p:sldIdLst>
     <p:sldId id="256" r:id="rId2"/>
@@ -17,6 +17,8 @@
     <p:sldId id="262" r:id="rId8"/>
     <p:sldId id="263" r:id="rId9"/>
     <p:sldId id="264" r:id="rId10"/>
+    <p:sldId id="265" r:id="rId11"/>
+    <p:sldId id="266" r:id="rId12"/>
   </p:sldIdLst>
   <p:sldSz cx="12192000" cy="6858000"/>
   <p:notesSz cx="6858000" cy="9144000"/>
@@ -205,7 +207,7 @@
           <a:p>
             <a:fld id="{1C9562C9-3D90-43F0-A568-C42393EBB46A}" type="datetimeFigureOut">
               <a:rPr kumimoji="1" lang="ja-JP" altLang="en-US" smtClean="0"/>
-              <a:t>2025/3/4</a:t>
+              <a:t>2025/3/7</a:t>
             </a:fld>
             <a:endParaRPr kumimoji="1" lang="ja-JP" altLang="en-US"/>
           </a:p>
@@ -951,7 +953,7 @@
           <a:p>
             <a:fld id="{4E43F86D-002F-43E4-87F7-1EE2AA2B40E7}" type="datetimeFigureOut">
               <a:rPr kumimoji="1" lang="ja-JP" altLang="en-US" smtClean="0"/>
-              <a:t>2025/3/4</a:t>
+              <a:t>2025/3/7</a:t>
             </a:fld>
             <a:endParaRPr kumimoji="1" lang="ja-JP" altLang="en-US"/>
           </a:p>
@@ -1181,7 +1183,7 @@
           <a:p>
             <a:fld id="{4E43F86D-002F-43E4-87F7-1EE2AA2B40E7}" type="datetimeFigureOut">
               <a:rPr kumimoji="1" lang="ja-JP" altLang="en-US" smtClean="0"/>
-              <a:t>2025/3/4</a:t>
+              <a:t>2025/3/7</a:t>
             </a:fld>
             <a:endParaRPr kumimoji="1" lang="ja-JP" altLang="en-US"/>
           </a:p>
@@ -1421,7 +1423,7 @@
           <a:p>
             <a:fld id="{4E43F86D-002F-43E4-87F7-1EE2AA2B40E7}" type="datetimeFigureOut">
               <a:rPr kumimoji="1" lang="ja-JP" altLang="en-US" smtClean="0"/>
-              <a:t>2025/3/4</a:t>
+              <a:t>2025/3/7</a:t>
             </a:fld>
             <a:endParaRPr kumimoji="1" lang="ja-JP" altLang="en-US"/>
           </a:p>
@@ -1651,7 +1653,7 @@
           <a:p>
             <a:fld id="{4E43F86D-002F-43E4-87F7-1EE2AA2B40E7}" type="datetimeFigureOut">
               <a:rPr kumimoji="1" lang="ja-JP" altLang="en-US" smtClean="0"/>
-              <a:t>2025/3/4</a:t>
+              <a:t>2025/3/7</a:t>
             </a:fld>
             <a:endParaRPr kumimoji="1" lang="ja-JP" altLang="en-US"/>
           </a:p>
@@ -1926,7 +1928,7 @@
           <a:p>
             <a:fld id="{4E43F86D-002F-43E4-87F7-1EE2AA2B40E7}" type="datetimeFigureOut">
               <a:rPr kumimoji="1" lang="ja-JP" altLang="en-US" smtClean="0"/>
-              <a:t>2025/3/4</a:t>
+              <a:t>2025/3/7</a:t>
             </a:fld>
             <a:endParaRPr kumimoji="1" lang="ja-JP" altLang="en-US"/>
           </a:p>
@@ -2255,7 +2257,7 @@
           <a:p>
             <a:fld id="{4E43F86D-002F-43E4-87F7-1EE2AA2B40E7}" type="datetimeFigureOut">
               <a:rPr kumimoji="1" lang="ja-JP" altLang="en-US" smtClean="0"/>
-              <a:t>2025/3/4</a:t>
+              <a:t>2025/3/7</a:t>
             </a:fld>
             <a:endParaRPr kumimoji="1" lang="ja-JP" altLang="en-US"/>
           </a:p>
@@ -2731,7 +2733,7 @@
           <a:p>
             <a:fld id="{4E43F86D-002F-43E4-87F7-1EE2AA2B40E7}" type="datetimeFigureOut">
               <a:rPr kumimoji="1" lang="ja-JP" altLang="en-US" smtClean="0"/>
-              <a:t>2025/3/4</a:t>
+              <a:t>2025/3/7</a:t>
             </a:fld>
             <a:endParaRPr kumimoji="1" lang="ja-JP" altLang="en-US"/>
           </a:p>
@@ -2872,7 +2874,7 @@
           <a:p>
             <a:fld id="{4E43F86D-002F-43E4-87F7-1EE2AA2B40E7}" type="datetimeFigureOut">
               <a:rPr kumimoji="1" lang="ja-JP" altLang="en-US" smtClean="0"/>
-              <a:t>2025/3/4</a:t>
+              <a:t>2025/3/7</a:t>
             </a:fld>
             <a:endParaRPr kumimoji="1" lang="ja-JP" altLang="en-US"/>
           </a:p>
@@ -2985,7 +2987,7 @@
           <a:p>
             <a:fld id="{4E43F86D-002F-43E4-87F7-1EE2AA2B40E7}" type="datetimeFigureOut">
               <a:rPr kumimoji="1" lang="ja-JP" altLang="en-US" smtClean="0"/>
-              <a:t>2025/3/4</a:t>
+              <a:t>2025/3/7</a:t>
             </a:fld>
             <a:endParaRPr kumimoji="1" lang="ja-JP" altLang="en-US"/>
           </a:p>
@@ -3328,7 +3330,7 @@
           <a:p>
             <a:fld id="{4E43F86D-002F-43E4-87F7-1EE2AA2B40E7}" type="datetimeFigureOut">
               <a:rPr kumimoji="1" lang="ja-JP" altLang="en-US" smtClean="0"/>
-              <a:t>2025/3/4</a:t>
+              <a:t>2025/3/7</a:t>
             </a:fld>
             <a:endParaRPr kumimoji="1" lang="ja-JP" altLang="en-US"/>
           </a:p>
@@ -3616,7 +3618,7 @@
           <a:p>
             <a:fld id="{4E43F86D-002F-43E4-87F7-1EE2AA2B40E7}" type="datetimeFigureOut">
               <a:rPr kumimoji="1" lang="ja-JP" altLang="en-US" smtClean="0"/>
-              <a:t>2025/3/4</a:t>
+              <a:t>2025/3/7</a:t>
             </a:fld>
             <a:endParaRPr kumimoji="1" lang="ja-JP" altLang="en-US"/>
           </a:p>
@@ -3889,7 +3891,7 @@
           <a:p>
             <a:fld id="{4E43F86D-002F-43E4-87F7-1EE2AA2B40E7}" type="datetimeFigureOut">
               <a:rPr kumimoji="1" lang="ja-JP" altLang="en-US" smtClean="0"/>
-              <a:t>2025/3/4</a:t>
+              <a:t>2025/3/7</a:t>
             </a:fld>
             <a:endParaRPr kumimoji="1" lang="ja-JP" altLang="en-US"/>
           </a:p>
@@ -4442,6 +4444,265 @@
     <p:extLst>
       <p:ext uri="{BB962C8B-B14F-4D97-AF65-F5344CB8AC3E}">
         <p14:creationId xmlns:p14="http://schemas.microsoft.com/office/powerpoint/2010/main" val="833085584"/>
+      </p:ext>
+    </p:extLst>
+  </p:cSld>
+  <p:clrMapOvr>
+    <a:masterClrMapping/>
+  </p:clrMapOvr>
+</p:sld>
+</file>
+
+<file path=ppt/slides/slide10.xml><?xml version="1.0" encoding="utf-8"?>
+<p:sld xmlns:a="http://schemas.openxmlformats.org/drawingml/2006/main" xmlns:r="http://schemas.openxmlformats.org/officeDocument/2006/relationships" xmlns:p="http://schemas.openxmlformats.org/presentationml/2006/main">
+  <p:cSld>
+    <p:spTree>
+      <p:nvGrpSpPr>
+        <p:cNvPr id="1" name="">
+          <a:extLst>
+            <a:ext uri="{FF2B5EF4-FFF2-40B4-BE49-F238E27FC236}">
+              <a16:creationId xmlns:a16="http://schemas.microsoft.com/office/drawing/2014/main" id="{6908D0E9-0E88-ADBC-9293-CFD4BA5B6185}"/>
+            </a:ext>
+          </a:extLst>
+        </p:cNvPr>
+        <p:cNvGrpSpPr/>
+        <p:nvPr/>
+      </p:nvGrpSpPr>
+      <p:grpSpPr>
+        <a:xfrm>
+          <a:off x="0" y="0"/>
+          <a:ext cx="0" cy="0"/>
+          <a:chOff x="0" y="0"/>
+          <a:chExt cx="0" cy="0"/>
+        </a:xfrm>
+      </p:grpSpPr>
+      <p:sp>
+        <p:nvSpPr>
+          <p:cNvPr id="3" name="正方形/長方形 2">
+            <a:extLst>
+              <a:ext uri="{FF2B5EF4-FFF2-40B4-BE49-F238E27FC236}">
+                <a16:creationId xmlns:a16="http://schemas.microsoft.com/office/drawing/2014/main" id="{F4F1AE54-1F09-1A79-61F7-1ADBC9AD66EB}"/>
+              </a:ext>
+            </a:extLst>
+          </p:cNvPr>
+          <p:cNvSpPr/>
+          <p:nvPr/>
+        </p:nvSpPr>
+        <p:spPr>
+          <a:xfrm>
+            <a:off x="791633" y="1591733"/>
+            <a:ext cx="10608733" cy="4114800"/>
+          </a:xfrm>
+          <a:prstGeom prst="rect">
+            <a:avLst/>
+          </a:prstGeom>
+          <a:noFill/>
+          <a:ln>
+            <a:noFill/>
+          </a:ln>
+        </p:spPr>
+        <p:style>
+          <a:lnRef idx="2">
+            <a:schemeClr val="accent1">
+              <a:shade val="15000"/>
+            </a:schemeClr>
+          </a:lnRef>
+          <a:fillRef idx="1">
+            <a:schemeClr val="accent1"/>
+          </a:fillRef>
+          <a:effectRef idx="0">
+            <a:schemeClr val="accent1"/>
+          </a:effectRef>
+          <a:fontRef idx="minor">
+            <a:schemeClr val="lt1"/>
+          </a:fontRef>
+        </p:style>
+        <p:txBody>
+          <a:bodyPr rtlCol="0" anchor="ctr"/>
+          <a:lstStyle/>
+          <a:p>
+            <a:pPr algn="ctr"/>
+            <a:endParaRPr kumimoji="1" lang="ja-JP" altLang="en-US"/>
+          </a:p>
+        </p:txBody>
+      </p:sp>
+      <p:pic>
+        <p:nvPicPr>
+          <p:cNvPr id="4" name="図 3">
+            <a:extLst>
+              <a:ext uri="{FF2B5EF4-FFF2-40B4-BE49-F238E27FC236}">
+                <a16:creationId xmlns:a16="http://schemas.microsoft.com/office/drawing/2014/main" id="{23BABDAD-0E78-C7A9-81B3-478787119027}"/>
+              </a:ext>
+            </a:extLst>
+          </p:cNvPr>
+          <p:cNvPicPr>
+            <a:picLocks noChangeAspect="1"/>
+          </p:cNvPicPr>
+          <p:nvPr/>
+        </p:nvPicPr>
+        <p:blipFill>
+          <a:blip r:embed="rId2">
+            <a:extLst>
+              <a:ext uri="{28A0092B-C50C-407E-A947-70E740481C1C}">
+                <a14:useLocalDpi xmlns:a14="http://schemas.microsoft.com/office/drawing/2010/main" val="0"/>
+              </a:ext>
+            </a:extLst>
+          </a:blip>
+          <a:srcRect l="9917" t="15115" r="7799" b="17230"/>
+          <a:stretch/>
+        </p:blipFill>
+        <p:spPr>
+          <a:xfrm>
+            <a:off x="2201601" y="2417478"/>
+            <a:ext cx="8015845" cy="2442924"/>
+          </a:xfrm>
+          <a:prstGeom prst="rect">
+            <a:avLst/>
+          </a:prstGeom>
+        </p:spPr>
+      </p:pic>
+    </p:spTree>
+    <p:extLst>
+      <p:ext uri="{BB962C8B-B14F-4D97-AF65-F5344CB8AC3E}">
+        <p14:creationId xmlns:p14="http://schemas.microsoft.com/office/powerpoint/2010/main" val="1757772311"/>
+      </p:ext>
+    </p:extLst>
+  </p:cSld>
+  <p:clrMapOvr>
+    <a:masterClrMapping/>
+  </p:clrMapOvr>
+</p:sld>
+</file>
+
+<file path=ppt/slides/slide11.xml><?xml version="1.0" encoding="utf-8"?>
+<p:sld xmlns:a="http://schemas.openxmlformats.org/drawingml/2006/main" xmlns:r="http://schemas.openxmlformats.org/officeDocument/2006/relationships" xmlns:p="http://schemas.openxmlformats.org/presentationml/2006/main">
+  <p:cSld>
+    <p:bg>
+      <p:bgPr>
+        <a:solidFill>
+          <a:schemeClr val="tx1"/>
+        </a:solidFill>
+        <a:effectLst/>
+      </p:bgPr>
+    </p:bg>
+    <p:spTree>
+      <p:nvGrpSpPr>
+        <p:cNvPr id="1" name="">
+          <a:extLst>
+            <a:ext uri="{FF2B5EF4-FFF2-40B4-BE49-F238E27FC236}">
+              <a16:creationId xmlns:a16="http://schemas.microsoft.com/office/drawing/2014/main" id="{E845070B-EB18-7B8C-0A82-FD29BB703634}"/>
+            </a:ext>
+          </a:extLst>
+        </p:cNvPr>
+        <p:cNvGrpSpPr/>
+        <p:nvPr/>
+      </p:nvGrpSpPr>
+      <p:grpSpPr>
+        <a:xfrm>
+          <a:off x="0" y="0"/>
+          <a:ext cx="0" cy="0"/>
+          <a:chOff x="0" y="0"/>
+          <a:chExt cx="0" cy="0"/>
+        </a:xfrm>
+      </p:grpSpPr>
+      <p:sp>
+        <p:nvSpPr>
+          <p:cNvPr id="5" name="正方形/長方形 4">
+            <a:extLst>
+              <a:ext uri="{FF2B5EF4-FFF2-40B4-BE49-F238E27FC236}">
+                <a16:creationId xmlns:a16="http://schemas.microsoft.com/office/drawing/2014/main" id="{C161CA08-4DA0-E128-5604-D9DB2A7B7632}"/>
+              </a:ext>
+            </a:extLst>
+          </p:cNvPr>
+          <p:cNvSpPr/>
+          <p:nvPr/>
+        </p:nvSpPr>
+        <p:spPr>
+          <a:xfrm>
+            <a:off x="791633" y="1591733"/>
+            <a:ext cx="10608733" cy="4114800"/>
+          </a:xfrm>
+          <a:prstGeom prst="rect">
+            <a:avLst/>
+          </a:prstGeom>
+          <a:noFill/>
+          <a:ln>
+            <a:noFill/>
+          </a:ln>
+        </p:spPr>
+        <p:style>
+          <a:lnRef idx="2">
+            <a:schemeClr val="accent1">
+              <a:shade val="15000"/>
+            </a:schemeClr>
+          </a:lnRef>
+          <a:fillRef idx="1">
+            <a:schemeClr val="accent1"/>
+          </a:fillRef>
+          <a:effectRef idx="0">
+            <a:schemeClr val="accent1"/>
+          </a:effectRef>
+          <a:fontRef idx="minor">
+            <a:schemeClr val="lt1"/>
+          </a:fontRef>
+        </p:style>
+        <p:txBody>
+          <a:bodyPr rtlCol="0" anchor="ctr"/>
+          <a:lstStyle/>
+          <a:p>
+            <a:pPr algn="ctr"/>
+            <a:endParaRPr kumimoji="1" lang="ja-JP" altLang="en-US"/>
+          </a:p>
+        </p:txBody>
+      </p:sp>
+      <p:pic>
+        <p:nvPicPr>
+          <p:cNvPr id="6" name="図 5">
+            <a:extLst>
+              <a:ext uri="{FF2B5EF4-FFF2-40B4-BE49-F238E27FC236}">
+                <a16:creationId xmlns:a16="http://schemas.microsoft.com/office/drawing/2014/main" id="{6DC72228-B723-37A2-2F58-313353814C03}"/>
+              </a:ext>
+            </a:extLst>
+          </p:cNvPr>
+          <p:cNvPicPr>
+            <a:picLocks noChangeAspect="1"/>
+          </p:cNvPicPr>
+          <p:nvPr/>
+        </p:nvPicPr>
+        <p:blipFill>
+          <a:blip r:embed="rId2">
+            <a:extLst>
+              <a:ext uri="{BEBA8EAE-BF5A-486C-A8C5-ECC9F3942E4B}">
+                <a14:imgProps xmlns:a14="http://schemas.microsoft.com/office/drawing/2010/main">
+                  <a14:imgLayer r:embed="rId3">
+                    <a14:imgEffect>
+                      <a14:brightnessContrast bright="100000"/>
+                    </a14:imgEffect>
+                  </a14:imgLayer>
+                </a14:imgProps>
+              </a:ext>
+              <a:ext uri="{28A0092B-C50C-407E-A947-70E740481C1C}">
+                <a14:useLocalDpi xmlns:a14="http://schemas.microsoft.com/office/drawing/2010/main" val="0"/>
+              </a:ext>
+            </a:extLst>
+          </a:blip>
+          <a:srcRect l="9917" t="15115" r="7799" b="17230"/>
+          <a:stretch/>
+        </p:blipFill>
+        <p:spPr>
+          <a:xfrm>
+            <a:off x="2201601" y="2417478"/>
+            <a:ext cx="8015845" cy="2442924"/>
+          </a:xfrm>
+          <a:prstGeom prst="rect">
+            <a:avLst/>
+          </a:prstGeom>
+        </p:spPr>
+      </p:pic>
+    </p:spTree>
+    <p:extLst>
+      <p:ext uri="{BB962C8B-B14F-4D97-AF65-F5344CB8AC3E}">
+        <p14:creationId xmlns:p14="http://schemas.microsoft.com/office/powerpoint/2010/main" val="2885959132"/>
       </p:ext>
     </p:extLst>
   </p:cSld>
